--- a/Documents/PrésentationRichPoor.pptx
+++ b/Documents/PrésentationRichPoor.pptx
@@ -4,6 +4,9 @@
   <p:sldMasterIdLst>
     <p:sldMasterId id="2147483648" r:id="rId1"/>
   </p:sldMasterIdLst>
+  <p:notesMasterIdLst>
+    <p:notesMasterId r:id="rId25"/>
+  </p:notesMasterIdLst>
   <p:sldIdLst>
     <p:sldId id="256" r:id="rId2"/>
     <p:sldId id="257" r:id="rId3"/>
@@ -14,18 +17,20 @@
     <p:sldId id="262" r:id="rId8"/>
     <p:sldId id="265" r:id="rId9"/>
     <p:sldId id="266" r:id="rId10"/>
-    <p:sldId id="263" r:id="rId11"/>
-    <p:sldId id="264" r:id="rId12"/>
-    <p:sldId id="276" r:id="rId13"/>
-    <p:sldId id="267" r:id="rId14"/>
-    <p:sldId id="268" r:id="rId15"/>
-    <p:sldId id="269" r:id="rId16"/>
-    <p:sldId id="270" r:id="rId17"/>
-    <p:sldId id="271" r:id="rId18"/>
-    <p:sldId id="277" r:id="rId19"/>
-    <p:sldId id="273" r:id="rId20"/>
-    <p:sldId id="274" r:id="rId21"/>
-    <p:sldId id="275" r:id="rId22"/>
+    <p:sldId id="279" r:id="rId11"/>
+    <p:sldId id="280" r:id="rId12"/>
+    <p:sldId id="263" r:id="rId13"/>
+    <p:sldId id="264" r:id="rId14"/>
+    <p:sldId id="276" r:id="rId15"/>
+    <p:sldId id="267" r:id="rId16"/>
+    <p:sldId id="268" r:id="rId17"/>
+    <p:sldId id="269" r:id="rId18"/>
+    <p:sldId id="270" r:id="rId19"/>
+    <p:sldId id="271" r:id="rId20"/>
+    <p:sldId id="277" r:id="rId21"/>
+    <p:sldId id="273" r:id="rId22"/>
+    <p:sldId id="274" r:id="rId23"/>
+    <p:sldId id="275" r:id="rId24"/>
   </p:sldIdLst>
   <p:sldSz cx="9144000" cy="6858000" type="screen4x3"/>
   <p:notesSz cx="6858000" cy="9144000"/>
@@ -127,6 +132,434 @@
 </p:presentation>
 </file>
 
+<file path=ppt/notesMasters/notesMaster1.xml><?xml version="1.0" encoding="utf-8"?>
+<p:notesMaster xmlns:a="http://schemas.openxmlformats.org/drawingml/2006/main" xmlns:r="http://schemas.openxmlformats.org/officeDocument/2006/relationships" xmlns:p="http://schemas.openxmlformats.org/presentationml/2006/main">
+  <p:cSld>
+    <p:bg>
+      <p:bgRef idx="1001">
+        <a:schemeClr val="bg1"/>
+      </p:bgRef>
+    </p:bg>
+    <p:spTree>
+      <p:nvGrpSpPr>
+        <p:cNvPr id="1" name=""/>
+        <p:cNvGrpSpPr/>
+        <p:nvPr/>
+      </p:nvGrpSpPr>
+      <p:grpSpPr>
+        <a:xfrm>
+          <a:off x="0" y="0"/>
+          <a:ext cx="0" cy="0"/>
+          <a:chOff x="0" y="0"/>
+          <a:chExt cx="0" cy="0"/>
+        </a:xfrm>
+      </p:grpSpPr>
+      <p:sp>
+        <p:nvSpPr>
+          <p:cNvPr id="2" name="Espace réservé de l'en-tête 1"/>
+          <p:cNvSpPr>
+            <a:spLocks noGrp="1"/>
+          </p:cNvSpPr>
+          <p:nvPr>
+            <p:ph type="hdr" sz="quarter"/>
+          </p:nvPr>
+        </p:nvSpPr>
+        <p:spPr>
+          <a:xfrm>
+            <a:off x="0" y="0"/>
+            <a:ext cx="2971800" cy="457200"/>
+          </a:xfrm>
+          <a:prstGeom prst="rect">
+            <a:avLst/>
+          </a:prstGeom>
+        </p:spPr>
+        <p:txBody>
+          <a:bodyPr vert="horz" lIns="91440" tIns="45720" rIns="91440" bIns="45720" rtlCol="0"/>
+          <a:lstStyle>
+            <a:lvl1pPr algn="l">
+              <a:defRPr sz="1200"/>
+            </a:lvl1pPr>
+          </a:lstStyle>
+          <a:p>
+            <a:endParaRPr lang="fr-CH"/>
+          </a:p>
+        </p:txBody>
+      </p:sp>
+      <p:sp>
+        <p:nvSpPr>
+          <p:cNvPr id="3" name="Espace réservé de la date 2"/>
+          <p:cNvSpPr>
+            <a:spLocks noGrp="1"/>
+          </p:cNvSpPr>
+          <p:nvPr>
+            <p:ph type="dt" idx="1"/>
+          </p:nvPr>
+        </p:nvSpPr>
+        <p:spPr>
+          <a:xfrm>
+            <a:off x="3884613" y="0"/>
+            <a:ext cx="2971800" cy="457200"/>
+          </a:xfrm>
+          <a:prstGeom prst="rect">
+            <a:avLst/>
+          </a:prstGeom>
+        </p:spPr>
+        <p:txBody>
+          <a:bodyPr vert="horz" lIns="91440" tIns="45720" rIns="91440" bIns="45720" rtlCol="0"/>
+          <a:lstStyle>
+            <a:lvl1pPr algn="r">
+              <a:defRPr sz="1200"/>
+            </a:lvl1pPr>
+          </a:lstStyle>
+          <a:p>
+            <a:fld id="{FE4DFEAE-BC68-4ADF-98BF-4237147187C1}" type="datetimeFigureOut">
+              <a:rPr lang="fr-CH" smtClean="0"/>
+              <a:t>20.04.2015</a:t>
+            </a:fld>
+            <a:endParaRPr lang="fr-CH"/>
+          </a:p>
+        </p:txBody>
+      </p:sp>
+      <p:sp>
+        <p:nvSpPr>
+          <p:cNvPr id="4" name="Espace réservé de l'image des diapositives 3"/>
+          <p:cNvSpPr>
+            <a:spLocks noGrp="1" noRot="1" noChangeAspect="1"/>
+          </p:cNvSpPr>
+          <p:nvPr>
+            <p:ph type="sldImg" idx="2"/>
+          </p:nvPr>
+        </p:nvSpPr>
+        <p:spPr>
+          <a:xfrm>
+            <a:off x="1143000" y="685800"/>
+            <a:ext cx="4572000" cy="3429000"/>
+          </a:xfrm>
+          <a:prstGeom prst="rect">
+            <a:avLst/>
+          </a:prstGeom>
+          <a:noFill/>
+          <a:ln w="12700">
+            <a:solidFill>
+              <a:prstClr val="black"/>
+            </a:solidFill>
+          </a:ln>
+        </p:spPr>
+        <p:txBody>
+          <a:bodyPr vert="horz" lIns="91440" tIns="45720" rIns="91440" bIns="45720" rtlCol="0" anchor="ctr"/>
+          <a:lstStyle/>
+          <a:p>
+            <a:endParaRPr lang="fr-CH"/>
+          </a:p>
+        </p:txBody>
+      </p:sp>
+      <p:sp>
+        <p:nvSpPr>
+          <p:cNvPr id="5" name="Espace réservé des commentaires 4"/>
+          <p:cNvSpPr>
+            <a:spLocks noGrp="1"/>
+          </p:cNvSpPr>
+          <p:nvPr>
+            <p:ph type="body" sz="quarter" idx="3"/>
+          </p:nvPr>
+        </p:nvSpPr>
+        <p:spPr>
+          <a:xfrm>
+            <a:off x="685800" y="4343400"/>
+            <a:ext cx="5486400" cy="4114800"/>
+          </a:xfrm>
+          <a:prstGeom prst="rect">
+            <a:avLst/>
+          </a:prstGeom>
+        </p:spPr>
+        <p:txBody>
+          <a:bodyPr vert="horz" lIns="91440" tIns="45720" rIns="91440" bIns="45720" rtlCol="0">
+            <a:normAutofit/>
+          </a:bodyPr>
+          <a:lstStyle/>
+          <a:p>
+            <a:pPr lvl="0"/>
+            <a:r>
+              <a:rPr lang="fr-FR" smtClean="0"/>
+              <a:t>Cliquez pour modifier les styles du texte du masque</a:t>
+            </a:r>
+          </a:p>
+          <a:p>
+            <a:pPr lvl="1"/>
+            <a:r>
+              <a:rPr lang="fr-FR" smtClean="0"/>
+              <a:t>Deuxième niveau</a:t>
+            </a:r>
+          </a:p>
+          <a:p>
+            <a:pPr lvl="2"/>
+            <a:r>
+              <a:rPr lang="fr-FR" smtClean="0"/>
+              <a:t>Troisième niveau</a:t>
+            </a:r>
+          </a:p>
+          <a:p>
+            <a:pPr lvl="3"/>
+            <a:r>
+              <a:rPr lang="fr-FR" smtClean="0"/>
+              <a:t>Quatrième niveau</a:t>
+            </a:r>
+          </a:p>
+          <a:p>
+            <a:pPr lvl="4"/>
+            <a:r>
+              <a:rPr lang="fr-FR" smtClean="0"/>
+              <a:t>Cinquième niveau</a:t>
+            </a:r>
+            <a:endParaRPr lang="fr-CH"/>
+          </a:p>
+        </p:txBody>
+      </p:sp>
+      <p:sp>
+        <p:nvSpPr>
+          <p:cNvPr id="6" name="Espace réservé du pied de page 5"/>
+          <p:cNvSpPr>
+            <a:spLocks noGrp="1"/>
+          </p:cNvSpPr>
+          <p:nvPr>
+            <p:ph type="ftr" sz="quarter" idx="4"/>
+          </p:nvPr>
+        </p:nvSpPr>
+        <p:spPr>
+          <a:xfrm>
+            <a:off x="0" y="8685213"/>
+            <a:ext cx="2971800" cy="457200"/>
+          </a:xfrm>
+          <a:prstGeom prst="rect">
+            <a:avLst/>
+          </a:prstGeom>
+        </p:spPr>
+        <p:txBody>
+          <a:bodyPr vert="horz" lIns="91440" tIns="45720" rIns="91440" bIns="45720" rtlCol="0" anchor="b"/>
+          <a:lstStyle>
+            <a:lvl1pPr algn="l">
+              <a:defRPr sz="1200"/>
+            </a:lvl1pPr>
+          </a:lstStyle>
+          <a:p>
+            <a:endParaRPr lang="fr-CH"/>
+          </a:p>
+        </p:txBody>
+      </p:sp>
+      <p:sp>
+        <p:nvSpPr>
+          <p:cNvPr id="7" name="Espace réservé du numéro de diapositive 6"/>
+          <p:cNvSpPr>
+            <a:spLocks noGrp="1"/>
+          </p:cNvSpPr>
+          <p:nvPr>
+            <p:ph type="sldNum" sz="quarter" idx="5"/>
+          </p:nvPr>
+        </p:nvSpPr>
+        <p:spPr>
+          <a:xfrm>
+            <a:off x="3884613" y="8685213"/>
+            <a:ext cx="2971800" cy="457200"/>
+          </a:xfrm>
+          <a:prstGeom prst="rect">
+            <a:avLst/>
+          </a:prstGeom>
+        </p:spPr>
+        <p:txBody>
+          <a:bodyPr vert="horz" lIns="91440" tIns="45720" rIns="91440" bIns="45720" rtlCol="0" anchor="b"/>
+          <a:lstStyle>
+            <a:lvl1pPr algn="r">
+              <a:defRPr sz="1200"/>
+            </a:lvl1pPr>
+          </a:lstStyle>
+          <a:p>
+            <a:fld id="{D6CB3980-448C-455F-AD81-C57DE005D481}" type="slidenum">
+              <a:rPr lang="fr-CH" smtClean="0"/>
+              <a:t>‹N°›</a:t>
+            </a:fld>
+            <a:endParaRPr lang="fr-CH"/>
+          </a:p>
+        </p:txBody>
+      </p:sp>
+    </p:spTree>
+  </p:cSld>
+  <p:clrMap bg1="lt1" tx1="dk1" bg2="lt2" tx2="dk2" accent1="accent1" accent2="accent2" accent3="accent3" accent4="accent4" accent5="accent5" accent6="accent6" hlink="hlink" folHlink="folHlink"/>
+  <p:notesStyle>
+    <a:lvl1pPr marL="0" algn="l" defTabSz="914400" rtl="0" eaLnBrk="1" latinLnBrk="0" hangingPunct="1">
+      <a:defRPr sz="1200" kern="1200">
+        <a:solidFill>
+          <a:schemeClr val="tx1"/>
+        </a:solidFill>
+        <a:latin typeface="+mn-lt"/>
+        <a:ea typeface="+mn-ea"/>
+        <a:cs typeface="+mn-cs"/>
+      </a:defRPr>
+    </a:lvl1pPr>
+    <a:lvl2pPr marL="457200" algn="l" defTabSz="914400" rtl="0" eaLnBrk="1" latinLnBrk="0" hangingPunct="1">
+      <a:defRPr sz="1200" kern="1200">
+        <a:solidFill>
+          <a:schemeClr val="tx1"/>
+        </a:solidFill>
+        <a:latin typeface="+mn-lt"/>
+        <a:ea typeface="+mn-ea"/>
+        <a:cs typeface="+mn-cs"/>
+      </a:defRPr>
+    </a:lvl2pPr>
+    <a:lvl3pPr marL="914400" algn="l" defTabSz="914400" rtl="0" eaLnBrk="1" latinLnBrk="0" hangingPunct="1">
+      <a:defRPr sz="1200" kern="1200">
+        <a:solidFill>
+          <a:schemeClr val="tx1"/>
+        </a:solidFill>
+        <a:latin typeface="+mn-lt"/>
+        <a:ea typeface="+mn-ea"/>
+        <a:cs typeface="+mn-cs"/>
+      </a:defRPr>
+    </a:lvl3pPr>
+    <a:lvl4pPr marL="1371600" algn="l" defTabSz="914400" rtl="0" eaLnBrk="1" latinLnBrk="0" hangingPunct="1">
+      <a:defRPr sz="1200" kern="1200">
+        <a:solidFill>
+          <a:schemeClr val="tx1"/>
+        </a:solidFill>
+        <a:latin typeface="+mn-lt"/>
+        <a:ea typeface="+mn-ea"/>
+        <a:cs typeface="+mn-cs"/>
+      </a:defRPr>
+    </a:lvl4pPr>
+    <a:lvl5pPr marL="1828800" algn="l" defTabSz="914400" rtl="0" eaLnBrk="1" latinLnBrk="0" hangingPunct="1">
+      <a:defRPr sz="1200" kern="1200">
+        <a:solidFill>
+          <a:schemeClr val="tx1"/>
+        </a:solidFill>
+        <a:latin typeface="+mn-lt"/>
+        <a:ea typeface="+mn-ea"/>
+        <a:cs typeface="+mn-cs"/>
+      </a:defRPr>
+    </a:lvl5pPr>
+    <a:lvl6pPr marL="2286000" algn="l" defTabSz="914400" rtl="0" eaLnBrk="1" latinLnBrk="0" hangingPunct="1">
+      <a:defRPr sz="1200" kern="1200">
+        <a:solidFill>
+          <a:schemeClr val="tx1"/>
+        </a:solidFill>
+        <a:latin typeface="+mn-lt"/>
+        <a:ea typeface="+mn-ea"/>
+        <a:cs typeface="+mn-cs"/>
+      </a:defRPr>
+    </a:lvl6pPr>
+    <a:lvl7pPr marL="2743200" algn="l" defTabSz="914400" rtl="0" eaLnBrk="1" latinLnBrk="0" hangingPunct="1">
+      <a:defRPr sz="1200" kern="1200">
+        <a:solidFill>
+          <a:schemeClr val="tx1"/>
+        </a:solidFill>
+        <a:latin typeface="+mn-lt"/>
+        <a:ea typeface="+mn-ea"/>
+        <a:cs typeface="+mn-cs"/>
+      </a:defRPr>
+    </a:lvl7pPr>
+    <a:lvl8pPr marL="3200400" algn="l" defTabSz="914400" rtl="0" eaLnBrk="1" latinLnBrk="0" hangingPunct="1">
+      <a:defRPr sz="1200" kern="1200">
+        <a:solidFill>
+          <a:schemeClr val="tx1"/>
+        </a:solidFill>
+        <a:latin typeface="+mn-lt"/>
+        <a:ea typeface="+mn-ea"/>
+        <a:cs typeface="+mn-cs"/>
+      </a:defRPr>
+    </a:lvl8pPr>
+    <a:lvl9pPr marL="3657600" algn="l" defTabSz="914400" rtl="0" eaLnBrk="1" latinLnBrk="0" hangingPunct="1">
+      <a:defRPr sz="1200" kern="1200">
+        <a:solidFill>
+          <a:schemeClr val="tx1"/>
+        </a:solidFill>
+        <a:latin typeface="+mn-lt"/>
+        <a:ea typeface="+mn-ea"/>
+        <a:cs typeface="+mn-cs"/>
+      </a:defRPr>
+    </a:lvl9pPr>
+  </p:notesStyle>
+</p:notesMaster>
+</file>
+
+<file path=ppt/notesSlides/notesSlide1.xml><?xml version="1.0" encoding="utf-8"?>
+<p:notes xmlns:a="http://schemas.openxmlformats.org/drawingml/2006/main" xmlns:r="http://schemas.openxmlformats.org/officeDocument/2006/relationships" xmlns:p="http://schemas.openxmlformats.org/presentationml/2006/main">
+  <p:cSld>
+    <p:spTree>
+      <p:nvGrpSpPr>
+        <p:cNvPr id="1" name=""/>
+        <p:cNvGrpSpPr/>
+        <p:nvPr/>
+      </p:nvGrpSpPr>
+      <p:grpSpPr>
+        <a:xfrm>
+          <a:off x="0" y="0"/>
+          <a:ext cx="0" cy="0"/>
+          <a:chOff x="0" y="0"/>
+          <a:chExt cx="0" cy="0"/>
+        </a:xfrm>
+      </p:grpSpPr>
+      <p:sp>
+        <p:nvSpPr>
+          <p:cNvPr id="2" name="Espace réservé de l'image des diapositives 1"/>
+          <p:cNvSpPr>
+            <a:spLocks noGrp="1" noRot="1" noChangeAspect="1"/>
+          </p:cNvSpPr>
+          <p:nvPr>
+            <p:ph type="sldImg"/>
+          </p:nvPr>
+        </p:nvSpPr>
+        <p:spPr/>
+      </p:sp>
+      <p:sp>
+        <p:nvSpPr>
+          <p:cNvPr id="3" name="Espace réservé des commentaires 2"/>
+          <p:cNvSpPr>
+            <a:spLocks noGrp="1"/>
+          </p:cNvSpPr>
+          <p:nvPr>
+            <p:ph type="body" idx="1"/>
+          </p:nvPr>
+        </p:nvSpPr>
+        <p:spPr/>
+        <p:txBody>
+          <a:bodyPr>
+            <a:normAutofit/>
+          </a:bodyPr>
+          <a:lstStyle/>
+          <a:p>
+            <a:endParaRPr lang="fr-CH" dirty="0"/>
+          </a:p>
+        </p:txBody>
+      </p:sp>
+      <p:sp>
+        <p:nvSpPr>
+          <p:cNvPr id="4" name="Espace réservé du numéro de diapositive 3"/>
+          <p:cNvSpPr>
+            <a:spLocks noGrp="1"/>
+          </p:cNvSpPr>
+          <p:nvPr>
+            <p:ph type="sldNum" sz="quarter" idx="10"/>
+          </p:nvPr>
+        </p:nvSpPr>
+        <p:spPr/>
+        <p:txBody>
+          <a:bodyPr/>
+          <a:lstStyle/>
+          <a:p>
+            <a:fld id="{CAA59D03-E488-458D-8DA3-71B8C9621526}" type="slidenum">
+              <a:rPr lang="fr-CH" smtClean="0"/>
+              <a:t>10</a:t>
+            </a:fld>
+            <a:endParaRPr lang="fr-CH"/>
+          </a:p>
+        </p:txBody>
+      </p:sp>
+    </p:spTree>
+  </p:cSld>
+  <p:clrMapOvr>
+    <a:masterClrMapping/>
+  </p:clrMapOvr>
+</p:notes>
+</file>
+
 <file path=ppt/slideLayouts/slideLayout1.xml><?xml version="1.0" encoding="utf-8"?>
 <p:sldLayout xmlns:a="http://schemas.openxmlformats.org/drawingml/2006/main" xmlns:r="http://schemas.openxmlformats.org/officeDocument/2006/relationships" xmlns:p="http://schemas.openxmlformats.org/presentationml/2006/main" type="title" preserve="1">
   <p:cSld name="Diapositive de titre">
@@ -308,6 +741,7 @@
           <a:p>
             <a:fld id="{AA309A6D-C09C-4548-B29A-6CF363A7E532}" type="datetimeFigureOut">
               <a:rPr lang="fr-FR" smtClean="0"/>
+              <a:pPr/>
               <a:t>20/04/2015</a:t>
             </a:fld>
             <a:endParaRPr lang="fr-BE"/>
@@ -350,6 +784,7 @@
           <a:p>
             <a:fld id="{CF4668DC-857F-487D-BFFA-8C0CA5037977}" type="slidenum">
               <a:rPr lang="fr-BE" smtClean="0"/>
+              <a:pPr/>
               <a:t>‹N°›</a:t>
             </a:fld>
             <a:endParaRPr lang="fr-BE"/>
@@ -473,6 +908,7 @@
           <a:p>
             <a:fld id="{AA309A6D-C09C-4548-B29A-6CF363A7E532}" type="datetimeFigureOut">
               <a:rPr lang="fr-FR" smtClean="0"/>
+              <a:pPr/>
               <a:t>20/04/2015</a:t>
             </a:fld>
             <a:endParaRPr lang="fr-BE"/>
@@ -515,6 +951,7 @@
           <a:p>
             <a:fld id="{CF4668DC-857F-487D-BFFA-8C0CA5037977}" type="slidenum">
               <a:rPr lang="fr-BE" smtClean="0"/>
+              <a:pPr/>
               <a:t>‹N°›</a:t>
             </a:fld>
             <a:endParaRPr lang="fr-BE"/>
@@ -648,6 +1085,7 @@
           <a:p>
             <a:fld id="{AA309A6D-C09C-4548-B29A-6CF363A7E532}" type="datetimeFigureOut">
               <a:rPr lang="fr-FR" smtClean="0"/>
+              <a:pPr/>
               <a:t>20/04/2015</a:t>
             </a:fld>
             <a:endParaRPr lang="fr-BE"/>
@@ -690,6 +1128,7 @@
           <a:p>
             <a:fld id="{CF4668DC-857F-487D-BFFA-8C0CA5037977}" type="slidenum">
               <a:rPr lang="fr-BE" smtClean="0"/>
+              <a:pPr/>
               <a:t>‹N°›</a:t>
             </a:fld>
             <a:endParaRPr lang="fr-BE"/>
@@ -813,6 +1252,7 @@
           <a:p>
             <a:fld id="{AA309A6D-C09C-4548-B29A-6CF363A7E532}" type="datetimeFigureOut">
               <a:rPr lang="fr-FR" smtClean="0"/>
+              <a:pPr/>
               <a:t>20/04/2015</a:t>
             </a:fld>
             <a:endParaRPr lang="fr-BE"/>
@@ -855,6 +1295,7 @@
           <a:p>
             <a:fld id="{CF4668DC-857F-487D-BFFA-8C0CA5037977}" type="slidenum">
               <a:rPr lang="fr-BE" smtClean="0"/>
+              <a:pPr/>
               <a:t>‹N°›</a:t>
             </a:fld>
             <a:endParaRPr lang="fr-BE"/>
@@ -1054,6 +1495,7 @@
           <a:p>
             <a:fld id="{AA309A6D-C09C-4548-B29A-6CF363A7E532}" type="datetimeFigureOut">
               <a:rPr lang="fr-FR" smtClean="0"/>
+              <a:pPr/>
               <a:t>20/04/2015</a:t>
             </a:fld>
             <a:endParaRPr lang="fr-BE"/>
@@ -1096,6 +1538,7 @@
           <a:p>
             <a:fld id="{CF4668DC-857F-487D-BFFA-8C0CA5037977}" type="slidenum">
               <a:rPr lang="fr-BE" smtClean="0"/>
+              <a:pPr/>
               <a:t>‹N°›</a:t>
             </a:fld>
             <a:endParaRPr lang="fr-BE"/>
@@ -1337,6 +1780,7 @@
           <a:p>
             <a:fld id="{AA309A6D-C09C-4548-B29A-6CF363A7E532}" type="datetimeFigureOut">
               <a:rPr lang="fr-FR" smtClean="0"/>
+              <a:pPr/>
               <a:t>20/04/2015</a:t>
             </a:fld>
             <a:endParaRPr lang="fr-BE"/>
@@ -1379,6 +1823,7 @@
           <a:p>
             <a:fld id="{CF4668DC-857F-487D-BFFA-8C0CA5037977}" type="slidenum">
               <a:rPr lang="fr-BE" smtClean="0"/>
+              <a:pPr/>
               <a:t>‹N°›</a:t>
             </a:fld>
             <a:endParaRPr lang="fr-BE"/>
@@ -1754,6 +2199,7 @@
           <a:p>
             <a:fld id="{AA309A6D-C09C-4548-B29A-6CF363A7E532}" type="datetimeFigureOut">
               <a:rPr lang="fr-FR" smtClean="0"/>
+              <a:pPr/>
               <a:t>20/04/2015</a:t>
             </a:fld>
             <a:endParaRPr lang="fr-BE"/>
@@ -1796,6 +2242,7 @@
           <a:p>
             <a:fld id="{CF4668DC-857F-487D-BFFA-8C0CA5037977}" type="slidenum">
               <a:rPr lang="fr-BE" smtClean="0"/>
+              <a:pPr/>
               <a:t>‹N°›</a:t>
             </a:fld>
             <a:endParaRPr lang="fr-BE"/>
@@ -1867,6 +2314,7 @@
           <a:p>
             <a:fld id="{AA309A6D-C09C-4548-B29A-6CF363A7E532}" type="datetimeFigureOut">
               <a:rPr lang="fr-FR" smtClean="0"/>
+              <a:pPr/>
               <a:t>20/04/2015</a:t>
             </a:fld>
             <a:endParaRPr lang="fr-BE"/>
@@ -1909,6 +2357,7 @@
           <a:p>
             <a:fld id="{CF4668DC-857F-487D-BFFA-8C0CA5037977}" type="slidenum">
               <a:rPr lang="fr-BE" smtClean="0"/>
+              <a:pPr/>
               <a:t>‹N°›</a:t>
             </a:fld>
             <a:endParaRPr lang="fr-BE"/>
@@ -1957,6 +2406,7 @@
           <a:p>
             <a:fld id="{AA309A6D-C09C-4548-B29A-6CF363A7E532}" type="datetimeFigureOut">
               <a:rPr lang="fr-FR" smtClean="0"/>
+              <a:pPr/>
               <a:t>20/04/2015</a:t>
             </a:fld>
             <a:endParaRPr lang="fr-BE"/>
@@ -1999,6 +2449,7 @@
           <a:p>
             <a:fld id="{CF4668DC-857F-487D-BFFA-8C0CA5037977}" type="slidenum">
               <a:rPr lang="fr-BE" smtClean="0"/>
+              <a:pPr/>
               <a:t>‹N°›</a:t>
             </a:fld>
             <a:endParaRPr lang="fr-BE"/>
@@ -2229,6 +2680,7 @@
           <a:p>
             <a:fld id="{AA309A6D-C09C-4548-B29A-6CF363A7E532}" type="datetimeFigureOut">
               <a:rPr lang="fr-FR" smtClean="0"/>
+              <a:pPr/>
               <a:t>20/04/2015</a:t>
             </a:fld>
             <a:endParaRPr lang="fr-BE"/>
@@ -2271,6 +2723,7 @@
           <a:p>
             <a:fld id="{CF4668DC-857F-487D-BFFA-8C0CA5037977}" type="slidenum">
               <a:rPr lang="fr-BE" smtClean="0"/>
+              <a:pPr/>
               <a:t>‹N°›</a:t>
             </a:fld>
             <a:endParaRPr lang="fr-BE"/>
@@ -2477,6 +2930,7 @@
           <a:p>
             <a:fld id="{AA309A6D-C09C-4548-B29A-6CF363A7E532}" type="datetimeFigureOut">
               <a:rPr lang="fr-FR" smtClean="0"/>
+              <a:pPr/>
               <a:t>20/04/2015</a:t>
             </a:fld>
             <a:endParaRPr lang="fr-BE"/>
@@ -2519,6 +2973,7 @@
           <a:p>
             <a:fld id="{CF4668DC-857F-487D-BFFA-8C0CA5037977}" type="slidenum">
               <a:rPr lang="fr-BE" smtClean="0"/>
+              <a:pPr/>
               <a:t>‹N°›</a:t>
             </a:fld>
             <a:endParaRPr lang="fr-BE"/>
@@ -2685,6 +3140,7 @@
           <a:p>
             <a:fld id="{AA309A6D-C09C-4548-B29A-6CF363A7E532}" type="datetimeFigureOut">
               <a:rPr lang="fr-FR" smtClean="0"/>
+              <a:pPr/>
               <a:t>20/04/2015</a:t>
             </a:fld>
             <a:endParaRPr lang="fr-BE"/>
@@ -2763,6 +3219,7 @@
           <a:p>
             <a:fld id="{CF4668DC-857F-487D-BFFA-8C0CA5037977}" type="slidenum">
               <a:rPr lang="fr-BE" smtClean="0"/>
+              <a:pPr/>
               <a:t>‹N°›</a:t>
             </a:fld>
             <a:endParaRPr lang="fr-BE"/>
@@ -3112,7 +3569,7 @@
     </p:spTree>
     <p:extLst>
       <p:ext uri="{BB962C8B-B14F-4D97-AF65-F5344CB8AC3E}">
-        <p14:creationId xmlns:p14="http://schemas.microsoft.com/office/powerpoint/2010/main" val="1832800598"/>
+        <p14:creationId xmlns:p14="http://schemas.microsoft.com/office/powerpoint/2010/main" xmlns="" val="1832800598"/>
       </p:ext>
     </p:extLst>
   </p:cSld>
@@ -3156,7 +3613,7 @@
           <a:p>
             <a:r>
               <a:rPr lang="fr-CH" dirty="0" smtClean="0"/>
-              <a:t>Développement : Authentification</a:t>
+              <a:t>Développement: Template</a:t>
             </a:r>
             <a:endParaRPr lang="fr-CH" dirty="0"/>
           </a:p>
@@ -3164,33 +3621,278 @@
       </p:sp>
       <p:sp>
         <p:nvSpPr>
-          <p:cNvPr id="3" name="Espace réservé du contenu 2"/>
-          <p:cNvSpPr>
-            <a:spLocks noGrp="1"/>
-          </p:cNvSpPr>
-          <p:nvPr>
-            <p:ph idx="1"/>
-          </p:nvPr>
-        </p:nvSpPr>
-        <p:spPr/>
-        <p:txBody>
-          <a:bodyPr/>
-          <a:lstStyle/>
-          <a:p>
-            <a:r>
-              <a:rPr lang="fr-CH" dirty="0" smtClean="0"/>
-              <a:t>Comment ça marche, (comment mettre en place)</a:t>
-            </a:r>
-            <a:endParaRPr lang="fr-CH" dirty="0"/>
+          <p:cNvPr id="6" name="Rectangle 5"/>
+          <p:cNvSpPr/>
+          <p:nvPr/>
+        </p:nvSpPr>
+        <p:spPr>
+          <a:xfrm>
+            <a:off x="1187624" y="1628800"/>
+            <a:ext cx="6768752" cy="4464496"/>
+          </a:xfrm>
+          <a:prstGeom prst="rect">
+            <a:avLst/>
+          </a:prstGeom>
+          <a:noFill/>
+          <a:ln>
+            <a:solidFill>
+              <a:schemeClr val="tx1"/>
+            </a:solidFill>
+          </a:ln>
+        </p:spPr>
+        <p:style>
+          <a:lnRef idx="2">
+            <a:schemeClr val="accent1">
+              <a:shade val="50000"/>
+            </a:schemeClr>
+          </a:lnRef>
+          <a:fillRef idx="1">
+            <a:schemeClr val="accent1"/>
+          </a:fillRef>
+          <a:effectRef idx="0">
+            <a:schemeClr val="accent1"/>
+          </a:effectRef>
+          <a:fontRef idx="minor">
+            <a:schemeClr val="lt1"/>
+          </a:fontRef>
+        </p:style>
+        <p:txBody>
+          <a:bodyPr rtlCol="0" anchor="ctr"/>
+          <a:lstStyle/>
+          <a:p>
+            <a:pPr algn="ctr"/>
+            <a:endParaRPr lang="fr-CH"/>
+          </a:p>
+        </p:txBody>
+      </p:sp>
+      <p:sp>
+        <p:nvSpPr>
+          <p:cNvPr id="7" name="Rectangle 6"/>
+          <p:cNvSpPr/>
+          <p:nvPr/>
+        </p:nvSpPr>
+        <p:spPr>
+          <a:xfrm>
+            <a:off x="1403648" y="1844824"/>
+            <a:ext cx="6336704" cy="792088"/>
+          </a:xfrm>
+          <a:prstGeom prst="rect">
+            <a:avLst/>
+          </a:prstGeom>
+        </p:spPr>
+        <p:style>
+          <a:lnRef idx="2">
+            <a:schemeClr val="accent1">
+              <a:shade val="50000"/>
+            </a:schemeClr>
+          </a:lnRef>
+          <a:fillRef idx="1">
+            <a:schemeClr val="accent1"/>
+          </a:fillRef>
+          <a:effectRef idx="0">
+            <a:schemeClr val="accent1"/>
+          </a:effectRef>
+          <a:fontRef idx="minor">
+            <a:schemeClr val="lt1"/>
+          </a:fontRef>
+        </p:style>
+        <p:txBody>
+          <a:bodyPr rtlCol="0" anchor="ctr"/>
+          <a:lstStyle/>
+          <a:p>
+            <a:pPr algn="ctr"/>
+            <a:r>
+              <a:rPr lang="fr-CH" dirty="0" err="1" smtClean="0">
+                <a:latin typeface="Courier New" pitchFamily="49" charset="0"/>
+                <a:cs typeface="Courier New" pitchFamily="49" charset="0"/>
+              </a:rPr>
+              <a:t>ui:insert</a:t>
+            </a:r>
+            <a:r>
+              <a:rPr lang="fr-CH" dirty="0" smtClean="0">
+                <a:latin typeface="Courier New" pitchFamily="49" charset="0"/>
+                <a:cs typeface="Courier New" pitchFamily="49" charset="0"/>
+              </a:rPr>
+              <a:t> </a:t>
+            </a:r>
+            <a:r>
+              <a:rPr lang="fr-CH" dirty="0" err="1" smtClean="0">
+                <a:latin typeface="Courier New" pitchFamily="49" charset="0"/>
+                <a:cs typeface="Courier New" pitchFamily="49" charset="0"/>
+              </a:rPr>
+              <a:t>name</a:t>
+            </a:r>
+            <a:r>
+              <a:rPr lang="fr-CH" dirty="0" smtClean="0">
+                <a:latin typeface="Courier New" pitchFamily="49" charset="0"/>
+                <a:cs typeface="Courier New" pitchFamily="49" charset="0"/>
+              </a:rPr>
+              <a:t>="content"</a:t>
+            </a:r>
+            <a:endParaRPr lang="fr-CH" dirty="0">
+              <a:latin typeface="Courier New" pitchFamily="49" charset="0"/>
+              <a:cs typeface="Courier New" pitchFamily="49" charset="0"/>
+            </a:endParaRPr>
+          </a:p>
+        </p:txBody>
+      </p:sp>
+      <p:sp>
+        <p:nvSpPr>
+          <p:cNvPr id="8" name="Rectangle 7"/>
+          <p:cNvSpPr/>
+          <p:nvPr/>
+        </p:nvSpPr>
+        <p:spPr>
+          <a:xfrm>
+            <a:off x="1403648" y="2852936"/>
+            <a:ext cx="6336704" cy="2376264"/>
+          </a:xfrm>
+          <a:prstGeom prst="rect">
+            <a:avLst/>
+          </a:prstGeom>
+        </p:spPr>
+        <p:style>
+          <a:lnRef idx="2">
+            <a:schemeClr val="accent4">
+              <a:shade val="50000"/>
+            </a:schemeClr>
+          </a:lnRef>
+          <a:fillRef idx="1">
+            <a:schemeClr val="accent4"/>
+          </a:fillRef>
+          <a:effectRef idx="0">
+            <a:schemeClr val="accent4"/>
+          </a:effectRef>
+          <a:fontRef idx="minor">
+            <a:schemeClr val="lt1"/>
+          </a:fontRef>
+        </p:style>
+        <p:txBody>
+          <a:bodyPr rtlCol="0" anchor="ctr"/>
+          <a:lstStyle/>
+          <a:p>
+            <a:pPr algn="ctr"/>
+            <a:r>
+              <a:rPr lang="fr-CH" dirty="0" err="1" smtClean="0">
+                <a:latin typeface="Courier New" pitchFamily="49" charset="0"/>
+                <a:cs typeface="Courier New" pitchFamily="49" charset="0"/>
+              </a:rPr>
+              <a:t>ui:insert</a:t>
+            </a:r>
+            <a:r>
+              <a:rPr lang="fr-CH" dirty="0" smtClean="0">
+                <a:latin typeface="Courier New" pitchFamily="49" charset="0"/>
+                <a:cs typeface="Courier New" pitchFamily="49" charset="0"/>
+              </a:rPr>
+              <a:t> </a:t>
+            </a:r>
+            <a:r>
+              <a:rPr lang="fr-CH" dirty="0" err="1" smtClean="0">
+                <a:latin typeface="Courier New" pitchFamily="49" charset="0"/>
+                <a:cs typeface="Courier New" pitchFamily="49" charset="0"/>
+              </a:rPr>
+              <a:t>name</a:t>
+            </a:r>
+            <a:r>
+              <a:rPr lang="fr-CH" dirty="0" smtClean="0">
+                <a:latin typeface="Courier New" pitchFamily="49" charset="0"/>
+                <a:cs typeface="Courier New" pitchFamily="49" charset="0"/>
+              </a:rPr>
+              <a:t>="content"</a:t>
+            </a:r>
+            <a:endParaRPr lang="fr-CH" dirty="0">
+              <a:latin typeface="Courier New" pitchFamily="49" charset="0"/>
+              <a:cs typeface="Courier New" pitchFamily="49" charset="0"/>
+            </a:endParaRPr>
+          </a:p>
+        </p:txBody>
+      </p:sp>
+      <p:sp>
+        <p:nvSpPr>
+          <p:cNvPr id="9" name="Rectangle 8"/>
+          <p:cNvSpPr/>
+          <p:nvPr/>
+        </p:nvSpPr>
+        <p:spPr>
+          <a:xfrm>
+            <a:off x="1403648" y="5373216"/>
+            <a:ext cx="6336704" cy="576064"/>
+          </a:xfrm>
+          <a:prstGeom prst="rect">
+            <a:avLst/>
+          </a:prstGeom>
+        </p:spPr>
+        <p:style>
+          <a:lnRef idx="2">
+            <a:schemeClr val="accent5">
+              <a:shade val="50000"/>
+            </a:schemeClr>
+          </a:lnRef>
+          <a:fillRef idx="1">
+            <a:schemeClr val="accent5"/>
+          </a:fillRef>
+          <a:effectRef idx="0">
+            <a:schemeClr val="accent5"/>
+          </a:effectRef>
+          <a:fontRef idx="minor">
+            <a:schemeClr val="lt1"/>
+          </a:fontRef>
+        </p:style>
+        <p:txBody>
+          <a:bodyPr rtlCol="0" anchor="ctr"/>
+          <a:lstStyle/>
+          <a:p>
+            <a:pPr algn="ctr"/>
+            <a:r>
+              <a:rPr lang="fr-CH" dirty="0" err="1" smtClean="0">
+                <a:latin typeface="Courier New" pitchFamily="49" charset="0"/>
+                <a:cs typeface="Courier New" pitchFamily="49" charset="0"/>
+              </a:rPr>
+              <a:t>ui:insert</a:t>
+            </a:r>
+            <a:r>
+              <a:rPr lang="fr-CH" dirty="0" smtClean="0">
+                <a:latin typeface="Courier New" pitchFamily="49" charset="0"/>
+                <a:cs typeface="Courier New" pitchFamily="49" charset="0"/>
+              </a:rPr>
+              <a:t> </a:t>
+            </a:r>
+            <a:r>
+              <a:rPr lang="fr-CH" dirty="0" err="1" smtClean="0">
+                <a:latin typeface="Courier New" pitchFamily="49" charset="0"/>
+                <a:cs typeface="Courier New" pitchFamily="49" charset="0"/>
+              </a:rPr>
+              <a:t>name</a:t>
+            </a:r>
+            <a:r>
+              <a:rPr lang="fr-CH" dirty="0" smtClean="0">
+                <a:latin typeface="Courier New" pitchFamily="49" charset="0"/>
+                <a:cs typeface="Courier New" pitchFamily="49" charset="0"/>
+              </a:rPr>
+              <a:t>="</a:t>
+            </a:r>
+            <a:r>
+              <a:rPr lang="fr-CH" dirty="0" err="1" smtClean="0">
+                <a:latin typeface="Courier New" pitchFamily="49" charset="0"/>
+                <a:cs typeface="Courier New" pitchFamily="49" charset="0"/>
+              </a:rPr>
+              <a:t>footer</a:t>
+            </a:r>
+            <a:r>
+              <a:rPr lang="fr-CH" dirty="0" smtClean="0">
+                <a:latin typeface="Courier New" pitchFamily="49" charset="0"/>
+                <a:cs typeface="Courier New" pitchFamily="49" charset="0"/>
+              </a:rPr>
+              <a:t>"</a:t>
+            </a:r>
+            <a:endParaRPr lang="fr-CH" dirty="0">
+              <a:latin typeface="Courier New" pitchFamily="49" charset="0"/>
+              <a:cs typeface="Courier New" pitchFamily="49" charset="0"/>
+            </a:endParaRPr>
           </a:p>
         </p:txBody>
       </p:sp>
     </p:spTree>
-    <p:extLst>
-      <p:ext uri="{BB962C8B-B14F-4D97-AF65-F5344CB8AC3E}">
-        <p14:creationId xmlns:p14="http://schemas.microsoft.com/office/powerpoint/2010/main" val="187342780"/>
-      </p:ext>
-    </p:extLst>
   </p:cSld>
   <p:clrMapOvr>
     <a:masterClrMapping/>
@@ -3232,7 +3934,7 @@
           <a:p>
             <a:r>
               <a:rPr lang="fr-CH" dirty="0" smtClean="0"/>
-              <a:t>Développement : Rôles</a:t>
+              <a:t>Développement: Template</a:t>
             </a:r>
             <a:endParaRPr lang="fr-CH" dirty="0"/>
           </a:p>
@@ -3240,41 +3942,261 @@
       </p:sp>
       <p:sp>
         <p:nvSpPr>
-          <p:cNvPr id="3" name="Espace réservé du contenu 2"/>
-          <p:cNvSpPr>
-            <a:spLocks noGrp="1"/>
-          </p:cNvSpPr>
-          <p:nvPr>
-            <p:ph idx="1"/>
-          </p:nvPr>
-        </p:nvSpPr>
-        <p:spPr/>
-        <p:txBody>
-          <a:bodyPr/>
-          <a:lstStyle/>
-          <a:p>
-            <a:r>
-              <a:rPr lang="fr-CH" dirty="0" smtClean="0"/>
-              <a:t>Comment ça marche, (comment mettre en place), comment utiliser (</a:t>
-            </a:r>
-            <a:r>
-              <a:rPr lang="fr-CH" dirty="0" err="1" smtClean="0"/>
-              <a:t>isUserInRole</a:t>
-            </a:r>
-            <a:r>
-              <a:rPr lang="fr-CH" dirty="0" smtClean="0"/>
-              <a:t>)</a:t>
-            </a:r>
-            <a:endParaRPr lang="fr-CH" dirty="0"/>
+          <p:cNvPr id="4" name="Rectangle 3"/>
+          <p:cNvSpPr/>
+          <p:nvPr/>
+        </p:nvSpPr>
+        <p:spPr>
+          <a:xfrm>
+            <a:off x="1187624" y="1628800"/>
+            <a:ext cx="6768752" cy="4464496"/>
+          </a:xfrm>
+          <a:prstGeom prst="rect">
+            <a:avLst/>
+          </a:prstGeom>
+          <a:noFill/>
+          <a:ln>
+            <a:solidFill>
+              <a:schemeClr val="tx1"/>
+            </a:solidFill>
+          </a:ln>
+        </p:spPr>
+        <p:style>
+          <a:lnRef idx="2">
+            <a:schemeClr val="accent1">
+              <a:shade val="50000"/>
+            </a:schemeClr>
+          </a:lnRef>
+          <a:fillRef idx="1">
+            <a:schemeClr val="accent1"/>
+          </a:fillRef>
+          <a:effectRef idx="0">
+            <a:schemeClr val="accent1"/>
+          </a:effectRef>
+          <a:fontRef idx="minor">
+            <a:schemeClr val="lt1"/>
+          </a:fontRef>
+        </p:style>
+        <p:txBody>
+          <a:bodyPr rtlCol="0" anchor="ctr"/>
+          <a:lstStyle/>
+          <a:p>
+            <a:pPr algn="ctr"/>
+            <a:endParaRPr lang="fr-CH"/>
+          </a:p>
+        </p:txBody>
+      </p:sp>
+      <p:sp>
+        <p:nvSpPr>
+          <p:cNvPr id="5" name="Rectangle 4"/>
+          <p:cNvSpPr/>
+          <p:nvPr/>
+        </p:nvSpPr>
+        <p:spPr>
+          <a:xfrm>
+            <a:off x="1403648" y="1844824"/>
+            <a:ext cx="6336704" cy="4032448"/>
+          </a:xfrm>
+          <a:prstGeom prst="rect">
+            <a:avLst/>
+          </a:prstGeom>
+        </p:spPr>
+        <p:style>
+          <a:lnRef idx="2">
+            <a:schemeClr val="accent1">
+              <a:shade val="50000"/>
+            </a:schemeClr>
+          </a:lnRef>
+          <a:fillRef idx="1">
+            <a:schemeClr val="accent1"/>
+          </a:fillRef>
+          <a:effectRef idx="0">
+            <a:schemeClr val="accent1"/>
+          </a:effectRef>
+          <a:fontRef idx="minor">
+            <a:schemeClr val="lt1"/>
+          </a:fontRef>
+        </p:style>
+        <p:txBody>
+          <a:bodyPr rtlCol="0" anchor="ctr"/>
+          <a:lstStyle/>
+          <a:p>
+            <a:pPr algn="ctr"/>
+            <a:endParaRPr lang="fr-CH" sz="1600" dirty="0" smtClean="0">
+              <a:latin typeface="Courier New" pitchFamily="49" charset="0"/>
+              <a:cs typeface="Courier New" pitchFamily="49" charset="0"/>
+            </a:endParaRPr>
+          </a:p>
+        </p:txBody>
+      </p:sp>
+      <p:sp>
+        <p:nvSpPr>
+          <p:cNvPr id="6" name="ZoneTexte 5"/>
+          <p:cNvSpPr txBox="1"/>
+          <p:nvPr/>
+        </p:nvSpPr>
+        <p:spPr>
+          <a:xfrm>
+            <a:off x="1835696" y="1916832"/>
+            <a:ext cx="5423280" cy="369332"/>
+          </a:xfrm>
+          <a:prstGeom prst="rect">
+            <a:avLst/>
+          </a:prstGeom>
+          <a:noFill/>
+          <a:ln>
+            <a:noFill/>
+          </a:ln>
+        </p:spPr>
+        <p:txBody>
+          <a:bodyPr wrap="none" rtlCol="0">
+            <a:spAutoFit/>
+          </a:bodyPr>
+          <a:lstStyle/>
+          <a:p>
+            <a:pPr algn="ctr"/>
+            <a:r>
+              <a:rPr lang="fr-CH" dirty="0" err="1" smtClean="0">
+                <a:solidFill>
+                  <a:schemeClr val="bg1"/>
+                </a:solidFill>
+                <a:latin typeface="Courier New" pitchFamily="49" charset="0"/>
+                <a:cs typeface="Courier New" pitchFamily="49" charset="0"/>
+              </a:rPr>
+              <a:t>ui:composition</a:t>
+            </a:r>
+            <a:r>
+              <a:rPr lang="fr-CH" dirty="0" smtClean="0">
+                <a:solidFill>
+                  <a:schemeClr val="bg1"/>
+                </a:solidFill>
+                <a:latin typeface="Courier New" pitchFamily="49" charset="0"/>
+                <a:cs typeface="Courier New" pitchFamily="49" charset="0"/>
+              </a:rPr>
+              <a:t> </a:t>
+            </a:r>
+            <a:r>
+              <a:rPr lang="fr-CH" dirty="0" err="1" smtClean="0">
+                <a:solidFill>
+                  <a:schemeClr val="bg1"/>
+                </a:solidFill>
+                <a:latin typeface="Courier New" pitchFamily="49" charset="0"/>
+                <a:cs typeface="Courier New" pitchFamily="49" charset="0"/>
+              </a:rPr>
+              <a:t>template</a:t>
+            </a:r>
+            <a:r>
+              <a:rPr lang="fr-CH" dirty="0" smtClean="0">
+                <a:solidFill>
+                  <a:schemeClr val="bg1"/>
+                </a:solidFill>
+                <a:latin typeface="Courier New" pitchFamily="49" charset="0"/>
+                <a:cs typeface="Courier New" pitchFamily="49" charset="0"/>
+              </a:rPr>
+              <a:t>="</a:t>
+            </a:r>
+            <a:r>
+              <a:rPr lang="fr-CH" dirty="0" err="1" smtClean="0">
+                <a:solidFill>
+                  <a:schemeClr val="bg1"/>
+                </a:solidFill>
+                <a:latin typeface="Courier New" pitchFamily="49" charset="0"/>
+                <a:cs typeface="Courier New" pitchFamily="49" charset="0"/>
+              </a:rPr>
+              <a:t>layout.xhtml</a:t>
+            </a:r>
+            <a:r>
+              <a:rPr lang="fr-CH" dirty="0" smtClean="0">
+                <a:solidFill>
+                  <a:schemeClr val="bg1"/>
+                </a:solidFill>
+                <a:latin typeface="Courier New" pitchFamily="49" charset="0"/>
+                <a:cs typeface="Courier New" pitchFamily="49" charset="0"/>
+              </a:rPr>
+              <a:t>"</a:t>
+            </a:r>
+            <a:endParaRPr lang="fr-CH" dirty="0" smtClean="0">
+              <a:solidFill>
+                <a:schemeClr val="bg1"/>
+              </a:solidFill>
+              <a:latin typeface="Courier New" pitchFamily="49" charset="0"/>
+              <a:cs typeface="Courier New" pitchFamily="49" charset="0"/>
+            </a:endParaRPr>
+          </a:p>
+        </p:txBody>
+      </p:sp>
+      <p:sp>
+        <p:nvSpPr>
+          <p:cNvPr id="7" name="Rectangle 6"/>
+          <p:cNvSpPr/>
+          <p:nvPr/>
+        </p:nvSpPr>
+        <p:spPr>
+          <a:xfrm>
+            <a:off x="1979712" y="2420888"/>
+            <a:ext cx="5328592" cy="2952328"/>
+          </a:xfrm>
+          <a:prstGeom prst="rect">
+            <a:avLst/>
+          </a:prstGeom>
+        </p:spPr>
+        <p:style>
+          <a:lnRef idx="2">
+            <a:schemeClr val="accent4">
+              <a:shade val="50000"/>
+            </a:schemeClr>
+          </a:lnRef>
+          <a:fillRef idx="1">
+            <a:schemeClr val="accent4"/>
+          </a:fillRef>
+          <a:effectRef idx="0">
+            <a:schemeClr val="accent4"/>
+          </a:effectRef>
+          <a:fontRef idx="minor">
+            <a:schemeClr val="lt1"/>
+          </a:fontRef>
+        </p:style>
+        <p:txBody>
+          <a:bodyPr rtlCol="0" anchor="ctr"/>
+          <a:lstStyle/>
+          <a:p>
+            <a:pPr algn="ctr"/>
+            <a:r>
+              <a:rPr lang="fr-CH" dirty="0" err="1" smtClean="0">
+                <a:latin typeface="Courier New" pitchFamily="49" charset="0"/>
+                <a:cs typeface="Courier New" pitchFamily="49" charset="0"/>
+              </a:rPr>
+              <a:t>ui:define</a:t>
+            </a:r>
+            <a:r>
+              <a:rPr lang="fr-CH" dirty="0" smtClean="0">
+                <a:latin typeface="Courier New" pitchFamily="49" charset="0"/>
+                <a:cs typeface="Courier New" pitchFamily="49" charset="0"/>
+              </a:rPr>
+              <a:t> </a:t>
+            </a:r>
+            <a:r>
+              <a:rPr lang="fr-CH" dirty="0" err="1" smtClean="0">
+                <a:latin typeface="Courier New" pitchFamily="49" charset="0"/>
+                <a:cs typeface="Courier New" pitchFamily="49" charset="0"/>
+              </a:rPr>
+              <a:t>name</a:t>
+            </a:r>
+            <a:r>
+              <a:rPr lang="fr-CH" dirty="0" smtClean="0">
+                <a:latin typeface="Courier New" pitchFamily="49" charset="0"/>
+                <a:cs typeface="Courier New" pitchFamily="49" charset="0"/>
+              </a:rPr>
+              <a:t>="content"</a:t>
+            </a:r>
+            <a:endParaRPr lang="fr-CH" dirty="0">
+              <a:latin typeface="Courier New" pitchFamily="49" charset="0"/>
+              <a:cs typeface="Courier New" pitchFamily="49" charset="0"/>
+            </a:endParaRPr>
           </a:p>
         </p:txBody>
       </p:sp>
     </p:spTree>
-    <p:extLst>
-      <p:ext uri="{BB962C8B-B14F-4D97-AF65-F5344CB8AC3E}">
-        <p14:creationId xmlns:p14="http://schemas.microsoft.com/office/powerpoint/2010/main" val="3720031081"/>
-      </p:ext>
-    </p:extLst>
   </p:cSld>
   <p:clrMapOvr>
     <a:masterClrMapping/>
@@ -3316,7 +4238,7 @@
           <a:p>
             <a:r>
               <a:rPr lang="fr-CH" dirty="0" smtClean="0"/>
-              <a:t>Démonstration</a:t>
+              <a:t>Développement : Authentification</a:t>
             </a:r>
             <a:endParaRPr lang="fr-CH" dirty="0"/>
           </a:p>
@@ -3337,14 +4259,18 @@
           <a:bodyPr/>
           <a:lstStyle/>
           <a:p>
-            <a:endParaRPr lang="fr-CH"/>
+            <a:r>
+              <a:rPr lang="fr-CH" dirty="0" smtClean="0"/>
+              <a:t>Comment ça marche, (comment mettre en place)</a:t>
+            </a:r>
+            <a:endParaRPr lang="fr-CH" dirty="0"/>
           </a:p>
         </p:txBody>
       </p:sp>
     </p:spTree>
     <p:extLst>
       <p:ext uri="{BB962C8B-B14F-4D97-AF65-F5344CB8AC3E}">
-        <p14:creationId xmlns:p14="http://schemas.microsoft.com/office/powerpoint/2010/main" val="1841977999"/>
+        <p14:creationId xmlns:p14="http://schemas.microsoft.com/office/powerpoint/2010/main" xmlns="" val="187342780"/>
       </p:ext>
     </p:extLst>
   </p:cSld>
@@ -3388,7 +4314,7 @@
           <a:p>
             <a:r>
               <a:rPr lang="fr-CH" dirty="0" smtClean="0"/>
-              <a:t>Test</a:t>
+              <a:t>Développement : Rôles</a:t>
             </a:r>
             <a:endParaRPr lang="fr-CH" dirty="0"/>
           </a:p>
@@ -3411,28 +4337,16 @@
           <a:p>
             <a:r>
               <a:rPr lang="fr-CH" dirty="0" smtClean="0"/>
-              <a:t>Plan de test</a:t>
-            </a:r>
-          </a:p>
-          <a:p>
-            <a:r>
-              <a:rPr lang="fr-CH" dirty="0" smtClean="0"/>
-              <a:t>Spécification</a:t>
-            </a:r>
-          </a:p>
-          <a:p>
-            <a:r>
-              <a:rPr lang="fr-CH" dirty="0" smtClean="0"/>
-              <a:t>Implémentation</a:t>
-            </a:r>
-          </a:p>
-          <a:p>
-            <a:r>
-              <a:rPr lang="fr-CH" dirty="0" smtClean="0"/>
-              <a:t>Résultats</a:t>
-            </a:r>
-          </a:p>
-          <a:p>
+              <a:t>Comment ça marche, (comment mettre en place), comment utiliser (</a:t>
+            </a:r>
+            <a:r>
+              <a:rPr lang="fr-CH" dirty="0" err="1" smtClean="0"/>
+              <a:t>isUserInRole</a:t>
+            </a:r>
+            <a:r>
+              <a:rPr lang="fr-CH" dirty="0" smtClean="0"/>
+              <a:t>)</a:t>
+            </a:r>
             <a:endParaRPr lang="fr-CH" dirty="0"/>
           </a:p>
         </p:txBody>
@@ -3440,7 +4354,7 @@
     </p:spTree>
     <p:extLst>
       <p:ext uri="{BB962C8B-B14F-4D97-AF65-F5344CB8AC3E}">
-        <p14:creationId xmlns:p14="http://schemas.microsoft.com/office/powerpoint/2010/main" val="1942548399"/>
+        <p14:creationId xmlns:p14="http://schemas.microsoft.com/office/powerpoint/2010/main" xmlns="" val="3720031081"/>
       </p:ext>
     </p:extLst>
   </p:cSld>
@@ -3484,7 +4398,7 @@
           <a:p>
             <a:r>
               <a:rPr lang="fr-CH" dirty="0" smtClean="0"/>
-              <a:t>Test : Plan de test</a:t>
+              <a:t>Démonstration</a:t>
             </a:r>
             <a:endParaRPr lang="fr-CH" dirty="0"/>
           </a:p>
@@ -3505,40 +4419,14 @@
           <a:bodyPr/>
           <a:lstStyle/>
           <a:p>
-            <a:r>
-              <a:rPr lang="fr-CH" dirty="0" smtClean="0"/>
-              <a:t>Périmètre, outils, </a:t>
-            </a:r>
-            <a:r>
-              <a:rPr lang="fr-CH" dirty="0" err="1" smtClean="0"/>
-              <a:t>etc</a:t>
-            </a:r>
-            <a:r>
-              <a:rPr lang="fr-CH" dirty="0" smtClean="0"/>
-              <a:t> … (</a:t>
-            </a:r>
-            <a:r>
-              <a:rPr lang="fr-CH" dirty="0" err="1" smtClean="0"/>
-              <a:t>cf</a:t>
-            </a:r>
-            <a:r>
-              <a:rPr lang="fr-CH" dirty="0" smtClean="0"/>
-              <a:t> </a:t>
-            </a:r>
-            <a:r>
-              <a:rPr lang="fr-CH" smtClean="0"/>
-              <a:t>doc)</a:t>
-            </a:r>
-          </a:p>
-          <a:p>
-            <a:endParaRPr lang="fr-CH" dirty="0"/>
+            <a:endParaRPr lang="fr-CH"/>
           </a:p>
         </p:txBody>
       </p:sp>
     </p:spTree>
     <p:extLst>
       <p:ext uri="{BB962C8B-B14F-4D97-AF65-F5344CB8AC3E}">
-        <p14:creationId xmlns:p14="http://schemas.microsoft.com/office/powerpoint/2010/main" val="2060424976"/>
+        <p14:creationId xmlns:p14="http://schemas.microsoft.com/office/powerpoint/2010/main" xmlns="" val="1841977999"/>
       </p:ext>
     </p:extLst>
   </p:cSld>
@@ -3582,7 +4470,7 @@
           <a:p>
             <a:r>
               <a:rPr lang="fr-CH" dirty="0" smtClean="0"/>
-              <a:t>Test : Spécification</a:t>
+              <a:t>Test</a:t>
             </a:r>
             <a:endParaRPr lang="fr-CH" dirty="0"/>
           </a:p>
@@ -3605,8 +4493,28 @@
           <a:p>
             <a:r>
               <a:rPr lang="fr-CH" dirty="0" smtClean="0"/>
-              <a:t>Quel test on fait en gros, entrées / sorties</a:t>
-            </a:r>
+              <a:t>Plan de test</a:t>
+            </a:r>
+          </a:p>
+          <a:p>
+            <a:r>
+              <a:rPr lang="fr-CH" dirty="0" smtClean="0"/>
+              <a:t>Spécification</a:t>
+            </a:r>
+          </a:p>
+          <a:p>
+            <a:r>
+              <a:rPr lang="fr-CH" dirty="0" smtClean="0"/>
+              <a:t>Implémentation</a:t>
+            </a:r>
+          </a:p>
+          <a:p>
+            <a:r>
+              <a:rPr lang="fr-CH" dirty="0" smtClean="0"/>
+              <a:t>Résultats</a:t>
+            </a:r>
+          </a:p>
+          <a:p>
             <a:endParaRPr lang="fr-CH" dirty="0"/>
           </a:p>
         </p:txBody>
@@ -3614,7 +4522,7 @@
     </p:spTree>
     <p:extLst>
       <p:ext uri="{BB962C8B-B14F-4D97-AF65-F5344CB8AC3E}">
-        <p14:creationId xmlns:p14="http://schemas.microsoft.com/office/powerpoint/2010/main" val="958264220"/>
+        <p14:creationId xmlns:p14="http://schemas.microsoft.com/office/powerpoint/2010/main" xmlns="" val="1942548399"/>
       </p:ext>
     </p:extLst>
   </p:cSld>
@@ -3658,7 +4566,7 @@
           <a:p>
             <a:r>
               <a:rPr lang="fr-CH" dirty="0" smtClean="0"/>
-              <a:t>Test : Implémentation</a:t>
+              <a:t>Test : Plan de test</a:t>
             </a:r>
             <a:endParaRPr lang="fr-CH" dirty="0"/>
           </a:p>
@@ -3681,20 +4589,30 @@
           <a:p>
             <a:r>
               <a:rPr lang="fr-CH" dirty="0" smtClean="0"/>
-              <a:t>Exemple de test </a:t>
+              <a:t>Périmètre, outils, </a:t>
             </a:r>
             <a:r>
               <a:rPr lang="fr-CH" dirty="0" err="1" smtClean="0"/>
-              <a:t>Selenium</a:t>
-            </a:r>
-            <a:r>
-              <a:rPr lang="fr-CH" dirty="0" smtClean="0"/>
-              <a:t> et </a:t>
+              <a:t>etc</a:t>
+            </a:r>
+            <a:r>
+              <a:rPr lang="fr-CH" dirty="0" smtClean="0"/>
+              <a:t> … (</a:t>
             </a:r>
             <a:r>
               <a:rPr lang="fr-CH" dirty="0" err="1" smtClean="0"/>
-              <a:t>JMeter</a:t>
-            </a:r>
+              <a:t>cf</a:t>
+            </a:r>
+            <a:r>
+              <a:rPr lang="fr-CH" dirty="0" smtClean="0"/>
+              <a:t> </a:t>
+            </a:r>
+            <a:r>
+              <a:rPr lang="fr-CH" smtClean="0"/>
+              <a:t>doc)</a:t>
+            </a:r>
+          </a:p>
+          <a:p>
             <a:endParaRPr lang="fr-CH" dirty="0"/>
           </a:p>
         </p:txBody>
@@ -3702,7 +4620,7 @@
     </p:spTree>
     <p:extLst>
       <p:ext uri="{BB962C8B-B14F-4D97-AF65-F5344CB8AC3E}">
-        <p14:creationId xmlns:p14="http://schemas.microsoft.com/office/powerpoint/2010/main" val="2845909600"/>
+        <p14:creationId xmlns:p14="http://schemas.microsoft.com/office/powerpoint/2010/main" xmlns="" val="2060424976"/>
       </p:ext>
     </p:extLst>
   </p:cSld>
@@ -3746,7 +4664,7 @@
           <a:p>
             <a:r>
               <a:rPr lang="fr-CH" dirty="0" smtClean="0"/>
-              <a:t>Test : Résultats</a:t>
+              <a:t>Test : Spécification</a:t>
             </a:r>
             <a:endParaRPr lang="fr-CH" dirty="0"/>
           </a:p>
@@ -3769,7 +4687,7 @@
           <a:p>
             <a:r>
               <a:rPr lang="fr-CH" dirty="0" smtClean="0"/>
-              <a:t>Résultats des tests</a:t>
+              <a:t>Quel test on fait en gros, entrées / sorties</a:t>
             </a:r>
             <a:endParaRPr lang="fr-CH" dirty="0"/>
           </a:p>
@@ -3778,7 +4696,7 @@
     </p:spTree>
     <p:extLst>
       <p:ext uri="{BB962C8B-B14F-4D97-AF65-F5344CB8AC3E}">
-        <p14:creationId xmlns:p14="http://schemas.microsoft.com/office/powerpoint/2010/main" val="3495593457"/>
+        <p14:creationId xmlns:p14="http://schemas.microsoft.com/office/powerpoint/2010/main" xmlns="" val="958264220"/>
       </p:ext>
     </p:extLst>
   </p:cSld>
@@ -3822,7 +4740,7 @@
           <a:p>
             <a:r>
               <a:rPr lang="fr-CH" dirty="0" smtClean="0"/>
-              <a:t>Démonstration des tests</a:t>
+              <a:t>Test : Implémentation</a:t>
             </a:r>
             <a:endParaRPr lang="fr-CH" dirty="0"/>
           </a:p>
@@ -3843,14 +4761,30 @@
           <a:bodyPr/>
           <a:lstStyle/>
           <a:p>
-            <a:endParaRPr lang="fr-CH"/>
+            <a:r>
+              <a:rPr lang="fr-CH" dirty="0" smtClean="0"/>
+              <a:t>Exemple de test </a:t>
+            </a:r>
+            <a:r>
+              <a:rPr lang="fr-CH" dirty="0" err="1" smtClean="0"/>
+              <a:t>Selenium</a:t>
+            </a:r>
+            <a:r>
+              <a:rPr lang="fr-CH" dirty="0" smtClean="0"/>
+              <a:t> et </a:t>
+            </a:r>
+            <a:r>
+              <a:rPr lang="fr-CH" dirty="0" err="1" smtClean="0"/>
+              <a:t>JMeter</a:t>
+            </a:r>
+            <a:endParaRPr lang="fr-CH" dirty="0"/>
           </a:p>
         </p:txBody>
       </p:sp>
     </p:spTree>
     <p:extLst>
       <p:ext uri="{BB962C8B-B14F-4D97-AF65-F5344CB8AC3E}">
-        <p14:creationId xmlns:p14="http://schemas.microsoft.com/office/powerpoint/2010/main" val="3101511859"/>
+        <p14:creationId xmlns:p14="http://schemas.microsoft.com/office/powerpoint/2010/main" xmlns="" val="2845909600"/>
       </p:ext>
     </p:extLst>
   </p:cSld>
@@ -3894,7 +4828,7 @@
           <a:p>
             <a:r>
               <a:rPr lang="fr-CH" dirty="0" smtClean="0"/>
-              <a:t>Répartition des tâches</a:t>
+              <a:t>Test : Résultats</a:t>
             </a:r>
             <a:endParaRPr lang="fr-CH" dirty="0"/>
           </a:p>
@@ -3915,14 +4849,18 @@
           <a:bodyPr/>
           <a:lstStyle/>
           <a:p>
-            <a:endParaRPr lang="fr-CH"/>
+            <a:r>
+              <a:rPr lang="fr-CH" dirty="0" smtClean="0"/>
+              <a:t>Résultats des tests</a:t>
+            </a:r>
+            <a:endParaRPr lang="fr-CH" dirty="0"/>
           </a:p>
         </p:txBody>
       </p:sp>
     </p:spTree>
     <p:extLst>
       <p:ext uri="{BB962C8B-B14F-4D97-AF65-F5344CB8AC3E}">
-        <p14:creationId xmlns:p14="http://schemas.microsoft.com/office/powerpoint/2010/main" val="3419958691"/>
+        <p14:creationId xmlns:p14="http://schemas.microsoft.com/office/powerpoint/2010/main" xmlns="" val="3495593457"/>
       </p:ext>
     </p:extLst>
   </p:cSld>
@@ -4041,7 +4979,7 @@
     </p:spTree>
     <p:extLst>
       <p:ext uri="{BB962C8B-B14F-4D97-AF65-F5344CB8AC3E}">
-        <p14:creationId xmlns:p14="http://schemas.microsoft.com/office/powerpoint/2010/main" val="939444650"/>
+        <p14:creationId xmlns:p14="http://schemas.microsoft.com/office/powerpoint/2010/main" xmlns="" val="939444650"/>
       </p:ext>
     </p:extLst>
   </p:cSld>
@@ -4085,7 +5023,7 @@
           <a:p>
             <a:r>
               <a:rPr lang="fr-CH" dirty="0" smtClean="0"/>
-              <a:t>Problèmes rencontrés</a:t>
+              <a:t>Démonstration des tests</a:t>
             </a:r>
             <a:endParaRPr lang="fr-CH" dirty="0"/>
           </a:p>
@@ -4113,7 +5051,7 @@
     </p:spTree>
     <p:extLst>
       <p:ext uri="{BB962C8B-B14F-4D97-AF65-F5344CB8AC3E}">
-        <p14:creationId xmlns:p14="http://schemas.microsoft.com/office/powerpoint/2010/main" val="1391970580"/>
+        <p14:creationId xmlns:p14="http://schemas.microsoft.com/office/powerpoint/2010/main" xmlns="" val="3101511859"/>
       </p:ext>
     </p:extLst>
   </p:cSld>
@@ -4157,7 +5095,7 @@
           <a:p>
             <a:r>
               <a:rPr lang="fr-CH" dirty="0" smtClean="0"/>
-              <a:t>Conclusion</a:t>
+              <a:t>Répartition des tâches</a:t>
             </a:r>
             <a:endParaRPr lang="fr-CH" dirty="0"/>
           </a:p>
@@ -4185,7 +5123,151 @@
     </p:spTree>
     <p:extLst>
       <p:ext uri="{BB962C8B-B14F-4D97-AF65-F5344CB8AC3E}">
-        <p14:creationId xmlns:p14="http://schemas.microsoft.com/office/powerpoint/2010/main" val="2639590673"/>
+        <p14:creationId xmlns:p14="http://schemas.microsoft.com/office/powerpoint/2010/main" xmlns="" val="3419958691"/>
+      </p:ext>
+    </p:extLst>
+  </p:cSld>
+  <p:clrMapOvr>
+    <a:masterClrMapping/>
+  </p:clrMapOvr>
+</p:sld>
+</file>
+
+<file path=ppt/slides/slide22.xml><?xml version="1.0" encoding="utf-8"?>
+<p:sld xmlns:a="http://schemas.openxmlformats.org/drawingml/2006/main" xmlns:r="http://schemas.openxmlformats.org/officeDocument/2006/relationships" xmlns:p="http://schemas.openxmlformats.org/presentationml/2006/main">
+  <p:cSld>
+    <p:spTree>
+      <p:nvGrpSpPr>
+        <p:cNvPr id="1" name=""/>
+        <p:cNvGrpSpPr/>
+        <p:nvPr/>
+      </p:nvGrpSpPr>
+      <p:grpSpPr>
+        <a:xfrm>
+          <a:off x="0" y="0"/>
+          <a:ext cx="0" cy="0"/>
+          <a:chOff x="0" y="0"/>
+          <a:chExt cx="0" cy="0"/>
+        </a:xfrm>
+      </p:grpSpPr>
+      <p:sp>
+        <p:nvSpPr>
+          <p:cNvPr id="2" name="Titre 1"/>
+          <p:cNvSpPr>
+            <a:spLocks noGrp="1"/>
+          </p:cNvSpPr>
+          <p:nvPr>
+            <p:ph type="title"/>
+          </p:nvPr>
+        </p:nvSpPr>
+        <p:spPr/>
+        <p:txBody>
+          <a:bodyPr/>
+          <a:lstStyle/>
+          <a:p>
+            <a:r>
+              <a:rPr lang="fr-CH" dirty="0" smtClean="0"/>
+              <a:t>Problèmes rencontrés</a:t>
+            </a:r>
+            <a:endParaRPr lang="fr-CH" dirty="0"/>
+          </a:p>
+        </p:txBody>
+      </p:sp>
+      <p:sp>
+        <p:nvSpPr>
+          <p:cNvPr id="3" name="Espace réservé du contenu 2"/>
+          <p:cNvSpPr>
+            <a:spLocks noGrp="1"/>
+          </p:cNvSpPr>
+          <p:nvPr>
+            <p:ph idx="1"/>
+          </p:nvPr>
+        </p:nvSpPr>
+        <p:spPr/>
+        <p:txBody>
+          <a:bodyPr/>
+          <a:lstStyle/>
+          <a:p>
+            <a:endParaRPr lang="fr-CH"/>
+          </a:p>
+        </p:txBody>
+      </p:sp>
+    </p:spTree>
+    <p:extLst>
+      <p:ext uri="{BB962C8B-B14F-4D97-AF65-F5344CB8AC3E}">
+        <p14:creationId xmlns:p14="http://schemas.microsoft.com/office/powerpoint/2010/main" xmlns="" val="1391970580"/>
+      </p:ext>
+    </p:extLst>
+  </p:cSld>
+  <p:clrMapOvr>
+    <a:masterClrMapping/>
+  </p:clrMapOvr>
+</p:sld>
+</file>
+
+<file path=ppt/slides/slide23.xml><?xml version="1.0" encoding="utf-8"?>
+<p:sld xmlns:a="http://schemas.openxmlformats.org/drawingml/2006/main" xmlns:r="http://schemas.openxmlformats.org/officeDocument/2006/relationships" xmlns:p="http://schemas.openxmlformats.org/presentationml/2006/main">
+  <p:cSld>
+    <p:spTree>
+      <p:nvGrpSpPr>
+        <p:cNvPr id="1" name=""/>
+        <p:cNvGrpSpPr/>
+        <p:nvPr/>
+      </p:nvGrpSpPr>
+      <p:grpSpPr>
+        <a:xfrm>
+          <a:off x="0" y="0"/>
+          <a:ext cx="0" cy="0"/>
+          <a:chOff x="0" y="0"/>
+          <a:chExt cx="0" cy="0"/>
+        </a:xfrm>
+      </p:grpSpPr>
+      <p:sp>
+        <p:nvSpPr>
+          <p:cNvPr id="2" name="Titre 1"/>
+          <p:cNvSpPr>
+            <a:spLocks noGrp="1"/>
+          </p:cNvSpPr>
+          <p:nvPr>
+            <p:ph type="title"/>
+          </p:nvPr>
+        </p:nvSpPr>
+        <p:spPr/>
+        <p:txBody>
+          <a:bodyPr/>
+          <a:lstStyle/>
+          <a:p>
+            <a:r>
+              <a:rPr lang="fr-CH" dirty="0" smtClean="0"/>
+              <a:t>Conclusion</a:t>
+            </a:r>
+            <a:endParaRPr lang="fr-CH" dirty="0"/>
+          </a:p>
+        </p:txBody>
+      </p:sp>
+      <p:sp>
+        <p:nvSpPr>
+          <p:cNvPr id="3" name="Espace réservé du contenu 2"/>
+          <p:cNvSpPr>
+            <a:spLocks noGrp="1"/>
+          </p:cNvSpPr>
+          <p:nvPr>
+            <p:ph idx="1"/>
+          </p:nvPr>
+        </p:nvSpPr>
+        <p:spPr/>
+        <p:txBody>
+          <a:bodyPr/>
+          <a:lstStyle/>
+          <a:p>
+            <a:endParaRPr lang="fr-CH"/>
+          </a:p>
+        </p:txBody>
+      </p:sp>
+    </p:spTree>
+    <p:extLst>
+      <p:ext uri="{BB962C8B-B14F-4D97-AF65-F5344CB8AC3E}">
+        <p14:creationId xmlns:p14="http://schemas.microsoft.com/office/powerpoint/2010/main" xmlns="" val="2639590673"/>
       </p:ext>
     </p:extLst>
   </p:cSld>
@@ -4301,7 +5383,7 @@
     </p:spTree>
     <p:extLst>
       <p:ext uri="{BB962C8B-B14F-4D97-AF65-F5344CB8AC3E}">
-        <p14:creationId xmlns:p14="http://schemas.microsoft.com/office/powerpoint/2010/main" val="3135206931"/>
+        <p14:creationId xmlns:p14="http://schemas.microsoft.com/office/powerpoint/2010/main" xmlns="" val="3135206931"/>
       </p:ext>
     </p:extLst>
   </p:cSld>
@@ -4361,7 +5443,7 @@
             <p:ph idx="1"/>
             <p:extLst>
               <p:ext uri="{D42A27DB-BD31-4B8C-83A1-F6EECF244321}">
-                <p14:modId xmlns:p14="http://schemas.microsoft.com/office/powerpoint/2010/main" val="930094094"/>
+                <p14:modId xmlns:p14="http://schemas.microsoft.com/office/powerpoint/2010/main" xmlns="" val="930094094"/>
               </p:ext>
             </p:extLst>
           </p:nvPr>
@@ -4544,7 +5626,7 @@
     </p:spTree>
     <p:extLst>
       <p:ext uri="{BB962C8B-B14F-4D97-AF65-F5344CB8AC3E}">
-        <p14:creationId xmlns:p14="http://schemas.microsoft.com/office/powerpoint/2010/main" val="7969594"/>
+        <p14:creationId xmlns:p14="http://schemas.microsoft.com/office/powerpoint/2010/main" xmlns="" val="7969594"/>
       </p:ext>
     </p:extLst>
   </p:cSld>
@@ -4635,6 +5717,13 @@
           <a:p>
             <a:r>
               <a:rPr lang="fr-CH" dirty="0" smtClean="0"/>
+              <a:t>Template</a:t>
+            </a:r>
+            <a:endParaRPr lang="fr-CH" dirty="0" smtClean="0"/>
+          </a:p>
+          <a:p>
+            <a:r>
+              <a:rPr lang="fr-CH" dirty="0" smtClean="0"/>
               <a:t>Authentification</a:t>
             </a:r>
           </a:p>
@@ -4649,7 +5738,7 @@
     </p:spTree>
     <p:extLst>
       <p:ext uri="{BB962C8B-B14F-4D97-AF65-F5344CB8AC3E}">
-        <p14:creationId xmlns:p14="http://schemas.microsoft.com/office/powerpoint/2010/main" val="295677580"/>
+        <p14:creationId xmlns:p14="http://schemas.microsoft.com/office/powerpoint/2010/main" xmlns="" val="295677580"/>
       </p:ext>
     </p:extLst>
   </p:cSld>
@@ -4756,7 +5845,7 @@
     </p:spTree>
     <p:extLst>
       <p:ext uri="{BB962C8B-B14F-4D97-AF65-F5344CB8AC3E}">
-        <p14:creationId xmlns:p14="http://schemas.microsoft.com/office/powerpoint/2010/main" val="2635621681"/>
+        <p14:creationId xmlns:p14="http://schemas.microsoft.com/office/powerpoint/2010/main" xmlns="" val="2635621681"/>
       </p:ext>
     </p:extLst>
   </p:cSld>
@@ -4815,10 +5904,10 @@
           <p:nvPr/>
         </p:nvPicPr>
         <p:blipFill>
-          <a:blip r:embed="rId2">
+          <a:blip r:embed="rId2" cstate="print">
             <a:extLst>
               <a:ext uri="{28A0092B-C50C-407E-A947-70E740481C1C}">
-                <a14:useLocalDpi xmlns:a14="http://schemas.microsoft.com/office/drawing/2010/main" val="0"/>
+                <a14:useLocalDpi xmlns:a14="http://schemas.microsoft.com/office/drawing/2010/main" xmlns="" val="0"/>
               </a:ext>
             </a:extLst>
           </a:blip>
@@ -4838,7 +5927,7 @@
           <a:noFill/>
           <a:extLst>
             <a:ext uri="{909E8E84-426E-40DD-AFC4-6F175D3DCCD1}">
-              <a14:hiddenFill xmlns:a14="http://schemas.microsoft.com/office/drawing/2010/main">
+              <a14:hiddenFill xmlns:a14="http://schemas.microsoft.com/office/drawing/2010/main" xmlns="">
                 <a:solidFill>
                   <a:srgbClr val="FFFFFF"/>
                 </a:solidFill>
@@ -4850,7 +5939,7 @@
     </p:spTree>
     <p:extLst>
       <p:ext uri="{BB962C8B-B14F-4D97-AF65-F5344CB8AC3E}">
-        <p14:creationId xmlns:p14="http://schemas.microsoft.com/office/powerpoint/2010/main" val="1765105785"/>
+        <p14:creationId xmlns:p14="http://schemas.microsoft.com/office/powerpoint/2010/main" xmlns="" val="1765105785"/>
       </p:ext>
     </p:extLst>
   </p:cSld>
@@ -4951,7 +6040,7 @@
     </p:spTree>
     <p:extLst>
       <p:ext uri="{BB962C8B-B14F-4D97-AF65-F5344CB8AC3E}">
-        <p14:creationId xmlns:p14="http://schemas.microsoft.com/office/powerpoint/2010/main" val="922321551"/>
+        <p14:creationId xmlns:p14="http://schemas.microsoft.com/office/powerpoint/2010/main" xmlns="" val="922321551"/>
       </p:ext>
     </p:extLst>
   </p:cSld>
@@ -5059,7 +6148,7 @@
     </p:spTree>
     <p:extLst>
       <p:ext uri="{BB962C8B-B14F-4D97-AF65-F5344CB8AC3E}">
-        <p14:creationId xmlns:p14="http://schemas.microsoft.com/office/powerpoint/2010/main" val="3826931603"/>
+        <p14:creationId xmlns:p14="http://schemas.microsoft.com/office/powerpoint/2010/main" xmlns="" val="3826931603"/>
       </p:ext>
     </p:extLst>
   </p:cSld>
@@ -5350,4 +6439,287 @@
   <a:objectDefaults/>
   <a:extraClrSchemeLst/>
 </a:theme>
+</file>
+
+<file path=ppt/theme/theme2.xml><?xml version="1.0" encoding="utf-8"?>
+<a:theme xmlns:a="http://schemas.openxmlformats.org/drawingml/2006/main" name="Thème Office">
+  <a:themeElements>
+    <a:clrScheme name="Office">
+      <a:dk1>
+        <a:sysClr val="windowText" lastClr="000000"/>
+      </a:dk1>
+      <a:lt1>
+        <a:sysClr val="window" lastClr="FFFFFF"/>
+      </a:lt1>
+      <a:dk2>
+        <a:srgbClr val="1F497D"/>
+      </a:dk2>
+      <a:lt2>
+        <a:srgbClr val="EEECE1"/>
+      </a:lt2>
+      <a:accent1>
+        <a:srgbClr val="4F81BD"/>
+      </a:accent1>
+      <a:accent2>
+        <a:srgbClr val="C0504D"/>
+      </a:accent2>
+      <a:accent3>
+        <a:srgbClr val="9BBB59"/>
+      </a:accent3>
+      <a:accent4>
+        <a:srgbClr val="8064A2"/>
+      </a:accent4>
+      <a:accent5>
+        <a:srgbClr val="4BACC6"/>
+      </a:accent5>
+      <a:accent6>
+        <a:srgbClr val="F79646"/>
+      </a:accent6>
+      <a:hlink>
+        <a:srgbClr val="0000FF"/>
+      </a:hlink>
+      <a:folHlink>
+        <a:srgbClr val="800080"/>
+      </a:folHlink>
+    </a:clrScheme>
+    <a:fontScheme name="Office">
+      <a:majorFont>
+        <a:latin typeface="Calibri"/>
+        <a:ea typeface=""/>
+        <a:cs typeface=""/>
+        <a:font script="Jpan" typeface="ＭＳ Ｐゴシック"/>
+        <a:font script="Hang" typeface="맑은 고딕"/>
+        <a:font script="Hans" typeface="宋体"/>
+        <a:font script="Hant" typeface="新細明體"/>
+        <a:font script="Arab" typeface="Times New Roman"/>
+        <a:font script="Hebr" typeface="Times New Roman"/>
+        <a:font script="Thai" typeface="Angsana New"/>
+        <a:font script="Ethi" typeface="Nyala"/>
+        <a:font script="Beng" typeface="Vrinda"/>
+        <a:font script="Gujr" typeface="Shruti"/>
+        <a:font script="Khmr" typeface="MoolBoran"/>
+        <a:font script="Knda" typeface="Tunga"/>
+        <a:font script="Guru" typeface="Raavi"/>
+        <a:font script="Cans" typeface="Euphemia"/>
+        <a:font script="Cher" typeface="Plantagenet Cherokee"/>
+        <a:font script="Yiii" typeface="Microsoft Yi Baiti"/>
+        <a:font script="Tibt" typeface="Microsoft Himalaya"/>
+        <a:font script="Thaa" typeface="MV Boli"/>
+        <a:font script="Deva" typeface="Mangal"/>
+        <a:font script="Telu" typeface="Gautami"/>
+        <a:font script="Taml" typeface="Latha"/>
+        <a:font script="Syrc" typeface="Estrangelo Edessa"/>
+        <a:font script="Orya" typeface="Kalinga"/>
+        <a:font script="Mlym" typeface="Kartika"/>
+        <a:font script="Laoo" typeface="DokChampa"/>
+        <a:font script="Sinh" typeface="Iskoola Pota"/>
+        <a:font script="Mong" typeface="Mongolian Baiti"/>
+        <a:font script="Viet" typeface="Times New Roman"/>
+        <a:font script="Uigh" typeface="Microsoft Uighur"/>
+      </a:majorFont>
+      <a:minorFont>
+        <a:latin typeface="Calibri"/>
+        <a:ea typeface=""/>
+        <a:cs typeface=""/>
+        <a:font script="Jpan" typeface="ＭＳ Ｐゴシック"/>
+        <a:font script="Hang" typeface="맑은 고딕"/>
+        <a:font script="Hans" typeface="宋体"/>
+        <a:font script="Hant" typeface="新細明體"/>
+        <a:font script="Arab" typeface="Arial"/>
+        <a:font script="Hebr" typeface="Arial"/>
+        <a:font script="Thai" typeface="Cordia New"/>
+        <a:font script="Ethi" typeface="Nyala"/>
+        <a:font script="Beng" typeface="Vrinda"/>
+        <a:font script="Gujr" typeface="Shruti"/>
+        <a:font script="Khmr" typeface="DaunPenh"/>
+        <a:font script="Knda" typeface="Tunga"/>
+        <a:font script="Guru" typeface="Raavi"/>
+        <a:font script="Cans" typeface="Euphemia"/>
+        <a:font script="Cher" typeface="Plantagenet Cherokee"/>
+        <a:font script="Yiii" typeface="Microsoft Yi Baiti"/>
+        <a:font script="Tibt" typeface="Microsoft Himalaya"/>
+        <a:font script="Thaa" typeface="MV Boli"/>
+        <a:font script="Deva" typeface="Mangal"/>
+        <a:font script="Telu" typeface="Gautami"/>
+        <a:font script="Taml" typeface="Latha"/>
+        <a:font script="Syrc" typeface="Estrangelo Edessa"/>
+        <a:font script="Orya" typeface="Kalinga"/>
+        <a:font script="Mlym" typeface="Kartika"/>
+        <a:font script="Laoo" typeface="DokChampa"/>
+        <a:font script="Sinh" typeface="Iskoola Pota"/>
+        <a:font script="Mong" typeface="Mongolian Baiti"/>
+        <a:font script="Viet" typeface="Arial"/>
+        <a:font script="Uigh" typeface="Microsoft Uighur"/>
+      </a:minorFont>
+    </a:fontScheme>
+    <a:fmtScheme name="Office">
+      <a:fillStyleLst>
+        <a:solidFill>
+          <a:schemeClr val="phClr"/>
+        </a:solidFill>
+        <a:gradFill rotWithShape="1">
+          <a:gsLst>
+            <a:gs pos="0">
+              <a:schemeClr val="phClr">
+                <a:tint val="50000"/>
+                <a:satMod val="300000"/>
+              </a:schemeClr>
+            </a:gs>
+            <a:gs pos="35000">
+              <a:schemeClr val="phClr">
+                <a:tint val="37000"/>
+                <a:satMod val="300000"/>
+              </a:schemeClr>
+            </a:gs>
+            <a:gs pos="100000">
+              <a:schemeClr val="phClr">
+                <a:tint val="15000"/>
+                <a:satMod val="350000"/>
+              </a:schemeClr>
+            </a:gs>
+          </a:gsLst>
+          <a:lin ang="16200000" scaled="1"/>
+        </a:gradFill>
+        <a:gradFill rotWithShape="1">
+          <a:gsLst>
+            <a:gs pos="0">
+              <a:schemeClr val="phClr">
+                <a:shade val="51000"/>
+                <a:satMod val="130000"/>
+              </a:schemeClr>
+            </a:gs>
+            <a:gs pos="80000">
+              <a:schemeClr val="phClr">
+                <a:shade val="93000"/>
+                <a:satMod val="130000"/>
+              </a:schemeClr>
+            </a:gs>
+            <a:gs pos="100000">
+              <a:schemeClr val="phClr">
+                <a:shade val="94000"/>
+                <a:satMod val="135000"/>
+              </a:schemeClr>
+            </a:gs>
+          </a:gsLst>
+          <a:lin ang="16200000" scaled="0"/>
+        </a:gradFill>
+      </a:fillStyleLst>
+      <a:lnStyleLst>
+        <a:ln w="9525" cap="flat" cmpd="sng" algn="ctr">
+          <a:solidFill>
+            <a:schemeClr val="phClr">
+              <a:shade val="95000"/>
+              <a:satMod val="105000"/>
+            </a:schemeClr>
+          </a:solidFill>
+          <a:prstDash val="solid"/>
+        </a:ln>
+        <a:ln w="25400" cap="flat" cmpd="sng" algn="ctr">
+          <a:solidFill>
+            <a:schemeClr val="phClr"/>
+          </a:solidFill>
+          <a:prstDash val="solid"/>
+        </a:ln>
+        <a:ln w="38100" cap="flat" cmpd="sng" algn="ctr">
+          <a:solidFill>
+            <a:schemeClr val="phClr"/>
+          </a:solidFill>
+          <a:prstDash val="solid"/>
+        </a:ln>
+      </a:lnStyleLst>
+      <a:effectStyleLst>
+        <a:effectStyle>
+          <a:effectLst>
+            <a:outerShdw blurRad="40000" dist="20000" dir="5400000" rotWithShape="0">
+              <a:srgbClr val="000000">
+                <a:alpha val="38000"/>
+              </a:srgbClr>
+            </a:outerShdw>
+          </a:effectLst>
+        </a:effectStyle>
+        <a:effectStyle>
+          <a:effectLst>
+            <a:outerShdw blurRad="40000" dist="23000" dir="5400000" rotWithShape="0">
+              <a:srgbClr val="000000">
+                <a:alpha val="35000"/>
+              </a:srgbClr>
+            </a:outerShdw>
+          </a:effectLst>
+        </a:effectStyle>
+        <a:effectStyle>
+          <a:effectLst>
+            <a:outerShdw blurRad="40000" dist="23000" dir="5400000" rotWithShape="0">
+              <a:srgbClr val="000000">
+                <a:alpha val="35000"/>
+              </a:srgbClr>
+            </a:outerShdw>
+          </a:effectLst>
+          <a:scene3d>
+            <a:camera prst="orthographicFront">
+              <a:rot lat="0" lon="0" rev="0"/>
+            </a:camera>
+            <a:lightRig rig="threePt" dir="t">
+              <a:rot lat="0" lon="0" rev="1200000"/>
+            </a:lightRig>
+          </a:scene3d>
+          <a:sp3d>
+            <a:bevelT w="63500" h="25400"/>
+          </a:sp3d>
+        </a:effectStyle>
+      </a:effectStyleLst>
+      <a:bgFillStyleLst>
+        <a:solidFill>
+          <a:schemeClr val="phClr"/>
+        </a:solidFill>
+        <a:gradFill rotWithShape="1">
+          <a:gsLst>
+            <a:gs pos="0">
+              <a:schemeClr val="phClr">
+                <a:tint val="40000"/>
+                <a:satMod val="350000"/>
+              </a:schemeClr>
+            </a:gs>
+            <a:gs pos="40000">
+              <a:schemeClr val="phClr">
+                <a:tint val="45000"/>
+                <a:shade val="99000"/>
+                <a:satMod val="350000"/>
+              </a:schemeClr>
+            </a:gs>
+            <a:gs pos="100000">
+              <a:schemeClr val="phClr">
+                <a:shade val="20000"/>
+                <a:satMod val="255000"/>
+              </a:schemeClr>
+            </a:gs>
+          </a:gsLst>
+          <a:path path="circle">
+            <a:fillToRect l="50000" t="-80000" r="50000" b="180000"/>
+          </a:path>
+        </a:gradFill>
+        <a:gradFill rotWithShape="1">
+          <a:gsLst>
+            <a:gs pos="0">
+              <a:schemeClr val="phClr">
+                <a:tint val="80000"/>
+                <a:satMod val="300000"/>
+              </a:schemeClr>
+            </a:gs>
+            <a:gs pos="100000">
+              <a:schemeClr val="phClr">
+                <a:shade val="30000"/>
+                <a:satMod val="200000"/>
+              </a:schemeClr>
+            </a:gs>
+          </a:gsLst>
+          <a:path path="circle">
+            <a:fillToRect l="50000" t="50000" r="50000" b="50000"/>
+          </a:path>
+        </a:gradFill>
+      </a:bgFillStyleLst>
+    </a:fmtScheme>
+  </a:themeElements>
+  <a:objectDefaults/>
+  <a:extraClrSchemeLst/>
+</a:theme>
 </file>